--- a/public/resources/ppt-slides/the-stack.pptx
+++ b/public/resources/ppt-slides/the-stack.pptx
@@ -247,7 +247,7 @@
           <a:p>
             <a:fld id="{964302DC-9F53-934F-AE4D-0F1F197008C1}" type="datetimeFigureOut">
               <a:rPr lang="en-US" smtClean="0"/>
-              <a:t>11/21/23</a:t>
+              <a:t>2/2/24</a:t>
             </a:fld>
             <a:endParaRPr lang="en-US"/>
           </a:p>
@@ -417,7 +417,7 @@
           <a:p>
             <a:fld id="{964302DC-9F53-934F-AE4D-0F1F197008C1}" type="datetimeFigureOut">
               <a:rPr lang="en-US" smtClean="0"/>
-              <a:t>11/21/23</a:t>
+              <a:t>2/2/24</a:t>
             </a:fld>
             <a:endParaRPr lang="en-US"/>
           </a:p>
@@ -597,7 +597,7 @@
           <a:p>
             <a:fld id="{964302DC-9F53-934F-AE4D-0F1F197008C1}" type="datetimeFigureOut">
               <a:rPr lang="en-US" smtClean="0"/>
-              <a:t>11/21/23</a:t>
+              <a:t>2/2/24</a:t>
             </a:fld>
             <a:endParaRPr lang="en-US"/>
           </a:p>
@@ -767,7 +767,7 @@
           <a:p>
             <a:fld id="{964302DC-9F53-934F-AE4D-0F1F197008C1}" type="datetimeFigureOut">
               <a:rPr lang="en-US" smtClean="0"/>
-              <a:t>11/21/23</a:t>
+              <a:t>2/2/24</a:t>
             </a:fld>
             <a:endParaRPr lang="en-US"/>
           </a:p>
@@ -1011,7 +1011,7 @@
           <a:p>
             <a:fld id="{964302DC-9F53-934F-AE4D-0F1F197008C1}" type="datetimeFigureOut">
               <a:rPr lang="en-US" smtClean="0"/>
-              <a:t>11/21/23</a:t>
+              <a:t>2/2/24</a:t>
             </a:fld>
             <a:endParaRPr lang="en-US"/>
           </a:p>
@@ -1243,7 +1243,7 @@
           <a:p>
             <a:fld id="{964302DC-9F53-934F-AE4D-0F1F197008C1}" type="datetimeFigureOut">
               <a:rPr lang="en-US" smtClean="0"/>
-              <a:t>11/21/23</a:t>
+              <a:t>2/2/24</a:t>
             </a:fld>
             <a:endParaRPr lang="en-US"/>
           </a:p>
@@ -1610,7 +1610,7 @@
           <a:p>
             <a:fld id="{964302DC-9F53-934F-AE4D-0F1F197008C1}" type="datetimeFigureOut">
               <a:rPr lang="en-US" smtClean="0"/>
-              <a:t>11/21/23</a:t>
+              <a:t>2/2/24</a:t>
             </a:fld>
             <a:endParaRPr lang="en-US"/>
           </a:p>
@@ -1728,7 +1728,7 @@
           <a:p>
             <a:fld id="{964302DC-9F53-934F-AE4D-0F1F197008C1}" type="datetimeFigureOut">
               <a:rPr lang="en-US" smtClean="0"/>
-              <a:t>11/21/23</a:t>
+              <a:t>2/2/24</a:t>
             </a:fld>
             <a:endParaRPr lang="en-US"/>
           </a:p>
@@ -1823,7 +1823,7 @@
           <a:p>
             <a:fld id="{964302DC-9F53-934F-AE4D-0F1F197008C1}" type="datetimeFigureOut">
               <a:rPr lang="en-US" smtClean="0"/>
-              <a:t>11/21/23</a:t>
+              <a:t>2/2/24</a:t>
             </a:fld>
             <a:endParaRPr lang="en-US"/>
           </a:p>
@@ -2100,7 +2100,7 @@
           <a:p>
             <a:fld id="{964302DC-9F53-934F-AE4D-0F1F197008C1}" type="datetimeFigureOut">
               <a:rPr lang="en-US" smtClean="0"/>
-              <a:t>11/21/23</a:t>
+              <a:t>2/2/24</a:t>
             </a:fld>
             <a:endParaRPr lang="en-US"/>
           </a:p>
@@ -2357,7 +2357,7 @@
           <a:p>
             <a:fld id="{964302DC-9F53-934F-AE4D-0F1F197008C1}" type="datetimeFigureOut">
               <a:rPr lang="en-US" smtClean="0"/>
-              <a:t>11/21/23</a:t>
+              <a:t>2/2/24</a:t>
             </a:fld>
             <a:endParaRPr lang="en-US"/>
           </a:p>
@@ -2570,7 +2570,7 @@
           <a:p>
             <a:fld id="{964302DC-9F53-934F-AE4D-0F1F197008C1}" type="datetimeFigureOut">
               <a:rPr lang="en-US" smtClean="0"/>
-              <a:t>11/21/23</a:t>
+              <a:t>2/2/24</a:t>
             </a:fld>
             <a:endParaRPr lang="en-US"/>
           </a:p>
